--- a/Presentation.pptx
+++ b/Presentation.pptx
@@ -5506,17 +5506,7 @@
               <a:buNone/>
             </a:pPr>
             <a:r>
-              <a:rPr lang="el-GR" dirty="0">
-                <a:solidFill>
-                  <a:srgbClr val="000000"/>
-                </a:solidFill>
-                <a:latin typeface="Arial"/>
-                <a:cs typeface="Arial"/>
-              </a:rPr>
-              <a:t>"</a:t>
-            </a:r>
-            <a:r>
-              <a:rPr lang="el-GR" dirty="0" err="1">
+              <a:rPr lang="el-GR" dirty="0" err="1" smtClean="0">
                 <a:solidFill>
                   <a:srgbClr val="000000"/>
                 </a:solidFill>
@@ -5526,7 +5516,7 @@
               <a:t>We</a:t>
             </a:r>
             <a:r>
-              <a:rPr lang="el-GR" dirty="0">
+              <a:rPr lang="el-GR" dirty="0" smtClean="0">
                 <a:solidFill>
                   <a:srgbClr val="000000"/>
                 </a:solidFill>
@@ -8651,7 +8641,17 @@
               <a:t> of NLP </a:t>
             </a:r>
             <a:r>
-              <a:rPr lang="el-GR" dirty="0" err="1">
+              <a:rPr lang="en-GB" dirty="0" smtClean="0">
+                <a:solidFill>
+                  <a:srgbClr val="000000"/>
+                </a:solidFill>
+                <a:latin typeface="Arial"/>
+                <a:cs typeface="Arial"/>
+              </a:rPr>
+              <a:t>    </a:t>
+            </a:r>
+            <a:r>
+              <a:rPr lang="el-GR" dirty="0" err="1" smtClean="0">
                 <a:solidFill>
                   <a:srgbClr val="000000"/>
                 </a:solidFill>
@@ -8781,14 +8781,24 @@
               <a:t>tokenizer</a:t>
             </a:r>
             <a:r>
-              <a:rPr lang="el-GR" dirty="0">
-                <a:solidFill>
-                  <a:srgbClr val="000000"/>
-                </a:solidFill>
-                <a:latin typeface="Arial"/>
-                <a:cs typeface="Arial"/>
-              </a:rPr>
-              <a:t>, , NLTK </a:t>
+              <a:rPr lang="el-GR" dirty="0" smtClean="0">
+                <a:solidFill>
+                  <a:srgbClr val="000000"/>
+                </a:solidFill>
+                <a:latin typeface="Arial"/>
+                <a:cs typeface="Arial"/>
+              </a:rPr>
+              <a:t>, </a:t>
+            </a:r>
+            <a:r>
+              <a:rPr lang="el-GR" dirty="0">
+                <a:solidFill>
+                  <a:srgbClr val="000000"/>
+                </a:solidFill>
+                <a:latin typeface="Arial"/>
+                <a:cs typeface="Arial"/>
+              </a:rPr>
+              <a:t>NLTK </a:t>
             </a:r>
             <a:r>
               <a:rPr lang="el-GR" dirty="0" err="1">
@@ -16112,7 +16122,7 @@
               <a:t>The </a:t>
             </a:r>
             <a:r>
-              <a:rPr lang="el-GR" err="1">
+              <a:rPr lang="el-GR" dirty="0" err="1">
                 <a:solidFill>
                   <a:schemeClr val="bg1">
                     <a:lumMod val="65000"/>
@@ -16123,7 +16133,7 @@
               </a:rPr>
               <a:t>Concept</a:t>
             </a:r>
-            <a:endParaRPr lang="el-GR">
+            <a:endParaRPr lang="el-GR" dirty="0">
               <a:solidFill>
                 <a:schemeClr val="bg1">
                   <a:lumMod val="65000"/>
@@ -16136,7 +16146,7 @@
           <a:p>
             <a:pPr marL="323850" indent="-323850"/>
             <a:r>
-              <a:rPr lang="el-GR" err="1">
+              <a:rPr lang="el-GR" dirty="0" err="1">
                 <a:solidFill>
                   <a:schemeClr val="bg1">
                     <a:lumMod val="65000"/>
@@ -16160,7 +16170,7 @@
               <a:t> </a:t>
             </a:r>
             <a:r>
-              <a:rPr lang="el-GR" err="1">
+              <a:rPr lang="el-GR" dirty="0" err="1">
                 <a:solidFill>
                   <a:schemeClr val="bg1">
                     <a:lumMod val="65000"/>
@@ -16171,7 +16181,7 @@
               </a:rPr>
               <a:t>Extraction</a:t>
             </a:r>
-            <a:endParaRPr lang="el-GR">
+            <a:endParaRPr lang="el-GR" dirty="0">
               <a:solidFill>
                 <a:schemeClr val="bg1">
                   <a:lumMod val="65000"/>
@@ -16196,7 +16206,7 @@
               <a:t>Frame </a:t>
             </a:r>
             <a:r>
-              <a:rPr lang="el-GR" err="1">
+              <a:rPr lang="el-GR" dirty="0" err="1">
                 <a:solidFill>
                   <a:schemeClr val="bg1">
                     <a:lumMod val="65000"/>
@@ -16207,7 +16217,7 @@
               </a:rPr>
               <a:t>Significance</a:t>
             </a:r>
-            <a:endParaRPr lang="el-GR">
+            <a:endParaRPr lang="el-GR" dirty="0">
               <a:solidFill>
                 <a:schemeClr val="bg1">
                   <a:lumMod val="65000"/>
@@ -16220,7 +16230,7 @@
           <a:p>
             <a:pPr marL="323850" indent="-323850"/>
             <a:r>
-              <a:rPr lang="el-GR" err="1">
+              <a:rPr lang="el-GR" dirty="0" err="1">
                 <a:solidFill>
                   <a:schemeClr val="bg1">
                     <a:lumMod val="65000"/>
@@ -16244,7 +16254,7 @@
               <a:t> </a:t>
             </a:r>
             <a:r>
-              <a:rPr lang="el-GR" err="1">
+              <a:rPr lang="el-GR" dirty="0" err="1">
                 <a:solidFill>
                   <a:schemeClr val="bg1">
                     <a:lumMod val="65000"/>
@@ -16255,7 +16265,7 @@
               </a:rPr>
               <a:t>Techniques</a:t>
             </a:r>
-            <a:endParaRPr lang="el-GR">
+            <a:endParaRPr lang="el-GR" dirty="0">
               <a:solidFill>
                 <a:schemeClr val="bg1">
                   <a:lumMod val="65000"/>
@@ -16267,7 +16277,7 @@
           <a:p>
             <a:pPr marL="323850" indent="-323850"/>
             <a:r>
-              <a:rPr lang="el-GR" err="1">
+              <a:rPr lang="el-GR" dirty="0" err="1">
                 <a:solidFill>
                   <a:schemeClr val="bg1">
                     <a:lumMod val="65000"/>
@@ -16278,7 +16288,7 @@
               </a:rPr>
               <a:t>Results</a:t>
             </a:r>
-            <a:endParaRPr lang="el-GR">
+            <a:endParaRPr lang="el-GR" dirty="0">
               <a:solidFill>
                 <a:schemeClr val="bg1">
                   <a:lumMod val="65000"/>
@@ -16291,7 +16301,7 @@
           <a:p>
             <a:pPr marL="323850" indent="-323850"/>
             <a:r>
-              <a:rPr lang="el-GR" err="1">
+              <a:rPr lang="el-GR" dirty="0" err="1">
                 <a:latin typeface="Arial"/>
                 <a:cs typeface="Arial"/>
               </a:rPr>
@@ -16302,46 +16312,18 @@
                 <a:latin typeface="Arial"/>
                 <a:cs typeface="Arial"/>
               </a:rPr>
-              <a:t> Development</a:t>
-            </a:r>
-            <a:endParaRPr lang="en-US">
+              <a:t> </a:t>
+            </a:r>
+            <a:r>
+              <a:rPr lang="el-GR" dirty="0" smtClean="0">
+                <a:latin typeface="Arial"/>
+                <a:cs typeface="Arial"/>
+              </a:rPr>
+              <a:t>Development</a:t>
+            </a:r>
+            <a:endParaRPr lang="en-US" dirty="0">
               <a:latin typeface="Arial"/>
               <a:cs typeface="Arial"/>
-            </a:endParaRPr>
-          </a:p>
-          <a:p>
-            <a:pPr marL="323850" indent="-323850"/>
-            <a:r>
-              <a:rPr lang="el-GR" err="1">
-                <a:solidFill>
-                  <a:schemeClr val="bg1">
-                    <a:lumMod val="65000"/>
-                  </a:schemeClr>
-                </a:solidFill>
-                <a:latin typeface="Arial"/>
-                <a:cs typeface="Arial"/>
-              </a:rPr>
-              <a:t>Bibliography</a:t>
-            </a:r>
-            <a:endParaRPr lang="el-GR">
-              <a:solidFill>
-                <a:schemeClr val="bg1">
-                  <a:lumMod val="65000"/>
-                </a:schemeClr>
-              </a:solidFill>
-              <a:latin typeface="Arial"/>
-              <a:cs typeface="Arial"/>
-            </a:endParaRPr>
-          </a:p>
-          <a:p>
-            <a:pPr marL="323850" indent="-323850"/>
-            <a:endParaRPr lang="el-GR" dirty="0">
-              <a:solidFill>
-                <a:schemeClr val="bg1">
-                  <a:lumMod val="65000"/>
-                </a:schemeClr>
-              </a:solidFill>
-              <a:cs typeface="Arial" pitchFamily="34" charset="0"/>
             </a:endParaRPr>
           </a:p>
         </p:txBody>
@@ -21687,18 +21669,18 @@
 </file>
 
 <file path=customXml/item2.xml><?xml version="1.0" encoding="utf-8"?>
-<p:properties xmlns:p="http://schemas.microsoft.com/office/2006/metadata/properties" xmlns:xsi="http://www.w3.org/2001/XMLSchema-instance" xmlns:pc="http://schemas.microsoft.com/office/infopath/2007/PartnerControls">
-  <documentManagement/>
-</p:properties>
-</file>
-
-<file path=customXml/item3.xml><?xml version="1.0" encoding="utf-8"?>
 <?mso-contentType ?>
 <FormTemplates xmlns="http://schemas.microsoft.com/sharepoint/v3/contenttype/forms">
   <Display>DocumentLibraryForm</Display>
   <Edit>DocumentLibraryForm</Edit>
   <New>DocumentLibraryForm</New>
 </FormTemplates>
+</file>
+
+<file path=customXml/item3.xml><?xml version="1.0" encoding="utf-8"?>
+<p:properties xmlns:p="http://schemas.microsoft.com/office/2006/metadata/properties" xmlns:xsi="http://www.w3.org/2001/XMLSchema-instance" xmlns:pc="http://schemas.microsoft.com/office/infopath/2007/PartnerControls">
+  <documentManagement/>
+</p:properties>
 </file>
 
 <file path=customXml/itemProps1.xml><?xml version="1.0" encoding="utf-8"?>
@@ -21720,6 +21702,14 @@
 </file>
 
 <file path=customXml/itemProps2.xml><?xml version="1.0" encoding="utf-8"?>
+<ds:datastoreItem xmlns:ds="http://schemas.openxmlformats.org/officeDocument/2006/customXml" ds:itemID="{F643BC68-450C-4EA6-9BBD-4F6A9CC7A189}">
+  <ds:schemaRefs>
+    <ds:schemaRef ds:uri="http://schemas.microsoft.com/sharepoint/v3/contenttype/forms"/>
+  </ds:schemaRefs>
+</ds:datastoreItem>
+</file>
+
+<file path=customXml/itemProps3.xml><?xml version="1.0" encoding="utf-8"?>
 <ds:datastoreItem xmlns:ds="http://schemas.openxmlformats.org/officeDocument/2006/customXml" ds:itemID="{034E4B87-12C4-4488-B60E-27211832739A}">
   <ds:schemaRefs>
     <ds:schemaRef ds:uri="http://purl.org/dc/dcmitype/"/>
@@ -21733,12 +21723,4 @@
     <ds:schemaRef ds:uri="eaf8aeea-a611-48b6-8e14-1083f7736660"/>
   </ds:schemaRefs>
 </ds:datastoreItem>
-</file>
-
-<file path=customXml/itemProps3.xml><?xml version="1.0" encoding="utf-8"?>
-<ds:datastoreItem xmlns:ds="http://schemas.openxmlformats.org/officeDocument/2006/customXml" ds:itemID="{F643BC68-450C-4EA6-9BBD-4F6A9CC7A189}">
-  <ds:schemaRefs>
-    <ds:schemaRef ds:uri="http://schemas.microsoft.com/sharepoint/v3/contenttype/forms"/>
-  </ds:schemaRefs>
-</ds:datastoreItem>
 </file>